--- a/协议/pic.pptx
+++ b/协议/pic.pptx
@@ -6,6 +6,11 @@
   </p:sldMasterIdLst>
   <p:sldIdLst>
     <p:sldId id="256" r:id="rId2"/>
+    <p:sldId id="257" r:id="rId3"/>
+    <p:sldId id="258" r:id="rId4"/>
+    <p:sldId id="259" r:id="rId5"/>
+    <p:sldId id="260" r:id="rId6"/>
+    <p:sldId id="261" r:id="rId7"/>
   </p:sldIdLst>
   <p:sldSz cx="12192000" cy="6858000"/>
   <p:notesSz cx="6858000" cy="9144000"/>
@@ -104,6 +109,11 @@
       </a:defRPr>
     </a:lvl9pPr>
   </p:defaultTextStyle>
+  <p:extLst>
+    <p:ext uri="{EFAFB233-063F-42B5-8137-9DF3F51BA10A}">
+      <p15:sldGuideLst xmlns:p15="http://schemas.microsoft.com/office/powerpoint/2012/main"/>
+    </p:ext>
+  </p:extLst>
 </p:presentation>
 </file>
 
@@ -238,7 +248,7 @@
           <a:p>
             <a:fld id="{9D29D2F1-BC2A-4D6B-886F-DB66BFFFA6AD}" type="datetimeFigureOut">
               <a:rPr lang="zh-CN" altLang="en-US" smtClean="0"/>
-              <a:t>2020/8/3</a:t>
+              <a:t>2020/8/4</a:t>
             </a:fld>
             <a:endParaRPr lang="zh-CN" altLang="en-US"/>
           </a:p>
@@ -408,7 +418,7 @@
           <a:p>
             <a:fld id="{9D29D2F1-BC2A-4D6B-886F-DB66BFFFA6AD}" type="datetimeFigureOut">
               <a:rPr lang="zh-CN" altLang="en-US" smtClean="0"/>
-              <a:t>2020/8/3</a:t>
+              <a:t>2020/8/4</a:t>
             </a:fld>
             <a:endParaRPr lang="zh-CN" altLang="en-US"/>
           </a:p>
@@ -588,7 +598,7 @@
           <a:p>
             <a:fld id="{9D29D2F1-BC2A-4D6B-886F-DB66BFFFA6AD}" type="datetimeFigureOut">
               <a:rPr lang="zh-CN" altLang="en-US" smtClean="0"/>
-              <a:t>2020/8/3</a:t>
+              <a:t>2020/8/4</a:t>
             </a:fld>
             <a:endParaRPr lang="zh-CN" altLang="en-US"/>
           </a:p>
@@ -758,7 +768,7 @@
           <a:p>
             <a:fld id="{9D29D2F1-BC2A-4D6B-886F-DB66BFFFA6AD}" type="datetimeFigureOut">
               <a:rPr lang="zh-CN" altLang="en-US" smtClean="0"/>
-              <a:t>2020/8/3</a:t>
+              <a:t>2020/8/4</a:t>
             </a:fld>
             <a:endParaRPr lang="zh-CN" altLang="en-US"/>
           </a:p>
@@ -1004,7 +1014,7 @@
           <a:p>
             <a:fld id="{9D29D2F1-BC2A-4D6B-886F-DB66BFFFA6AD}" type="datetimeFigureOut">
               <a:rPr lang="zh-CN" altLang="en-US" smtClean="0"/>
-              <a:t>2020/8/3</a:t>
+              <a:t>2020/8/4</a:t>
             </a:fld>
             <a:endParaRPr lang="zh-CN" altLang="en-US"/>
           </a:p>
@@ -1236,7 +1246,7 @@
           <a:p>
             <a:fld id="{9D29D2F1-BC2A-4D6B-886F-DB66BFFFA6AD}" type="datetimeFigureOut">
               <a:rPr lang="zh-CN" altLang="en-US" smtClean="0"/>
-              <a:t>2020/8/3</a:t>
+              <a:t>2020/8/4</a:t>
             </a:fld>
             <a:endParaRPr lang="zh-CN" altLang="en-US"/>
           </a:p>
@@ -1603,7 +1613,7 @@
           <a:p>
             <a:fld id="{9D29D2F1-BC2A-4D6B-886F-DB66BFFFA6AD}" type="datetimeFigureOut">
               <a:rPr lang="zh-CN" altLang="en-US" smtClean="0"/>
-              <a:t>2020/8/3</a:t>
+              <a:t>2020/8/4</a:t>
             </a:fld>
             <a:endParaRPr lang="zh-CN" altLang="en-US"/>
           </a:p>
@@ -1721,7 +1731,7 @@
           <a:p>
             <a:fld id="{9D29D2F1-BC2A-4D6B-886F-DB66BFFFA6AD}" type="datetimeFigureOut">
               <a:rPr lang="zh-CN" altLang="en-US" smtClean="0"/>
-              <a:t>2020/8/3</a:t>
+              <a:t>2020/8/4</a:t>
             </a:fld>
             <a:endParaRPr lang="zh-CN" altLang="en-US"/>
           </a:p>
@@ -1816,7 +1826,7 @@
           <a:p>
             <a:fld id="{9D29D2F1-BC2A-4D6B-886F-DB66BFFFA6AD}" type="datetimeFigureOut">
               <a:rPr lang="zh-CN" altLang="en-US" smtClean="0"/>
-              <a:t>2020/8/3</a:t>
+              <a:t>2020/8/4</a:t>
             </a:fld>
             <a:endParaRPr lang="zh-CN" altLang="en-US"/>
           </a:p>
@@ -2093,7 +2103,7 @@
           <a:p>
             <a:fld id="{9D29D2F1-BC2A-4D6B-886F-DB66BFFFA6AD}" type="datetimeFigureOut">
               <a:rPr lang="zh-CN" altLang="en-US" smtClean="0"/>
-              <a:t>2020/8/3</a:t>
+              <a:t>2020/8/4</a:t>
             </a:fld>
             <a:endParaRPr lang="zh-CN" altLang="en-US"/>
           </a:p>
@@ -2346,7 +2356,7 @@
           <a:p>
             <a:fld id="{9D29D2F1-BC2A-4D6B-886F-DB66BFFFA6AD}" type="datetimeFigureOut">
               <a:rPr lang="zh-CN" altLang="en-US" smtClean="0"/>
-              <a:t>2020/8/3</a:t>
+              <a:t>2020/8/4</a:t>
             </a:fld>
             <a:endParaRPr lang="zh-CN" altLang="en-US"/>
           </a:p>
@@ -2559,7 +2569,7 @@
           <a:p>
             <a:fld id="{9D29D2F1-BC2A-4D6B-886F-DB66BFFFA6AD}" type="datetimeFigureOut">
               <a:rPr lang="zh-CN" altLang="en-US" smtClean="0"/>
-              <a:t>2020/8/3</a:t>
+              <a:t>2020/8/4</a:t>
             </a:fld>
             <a:endParaRPr lang="zh-CN" altLang="en-US"/>
           </a:p>
@@ -2964,10 +2974,534 @@
           <a:chExt cx="0" cy="0"/>
         </a:xfrm>
       </p:grpSpPr>
+      <p:pic>
+        <p:nvPicPr>
+          <p:cNvPr id="2" name="图片 1"/>
+          <p:cNvPicPr>
+            <a:picLocks noChangeAspect="1"/>
+          </p:cNvPicPr>
+          <p:nvPr/>
+        </p:nvPicPr>
+        <p:blipFill>
+          <a:blip r:embed="rId2">
+            <a:extLst>
+              <a:ext uri="{28A0092B-C50C-407E-A947-70E740481C1C}">
+                <a14:useLocalDpi xmlns:a14="http://schemas.microsoft.com/office/drawing/2010/main" val="0"/>
+              </a:ext>
+            </a:extLst>
+          </a:blip>
+          <a:stretch>
+            <a:fillRect/>
+          </a:stretch>
+        </p:blipFill>
+        <p:spPr>
+          <a:xfrm>
+            <a:off x="1180706" y="364283"/>
+            <a:ext cx="9975444" cy="2743438"/>
+          </a:xfrm>
+          <a:prstGeom prst="rect">
+            <a:avLst/>
+          </a:prstGeom>
+        </p:spPr>
+      </p:pic>
+      <p:pic>
+        <p:nvPicPr>
+          <p:cNvPr id="3" name="图片 2"/>
+          <p:cNvPicPr>
+            <a:picLocks noChangeAspect="1"/>
+          </p:cNvPicPr>
+          <p:nvPr/>
+        </p:nvPicPr>
+        <p:blipFill>
+          <a:blip r:embed="rId3">
+            <a:extLst>
+              <a:ext uri="{28A0092B-C50C-407E-A947-70E740481C1C}">
+                <a14:useLocalDpi xmlns:a14="http://schemas.microsoft.com/office/drawing/2010/main" val="0"/>
+              </a:ext>
+            </a:extLst>
+          </a:blip>
+          <a:stretch>
+            <a:fillRect/>
+          </a:stretch>
+        </p:blipFill>
+        <p:spPr>
+          <a:xfrm>
+            <a:off x="1180706" y="3425268"/>
+            <a:ext cx="9998306" cy="2560542"/>
+          </a:xfrm>
+          <a:prstGeom prst="rect">
+            <a:avLst/>
+          </a:prstGeom>
+        </p:spPr>
+      </p:pic>
     </p:spTree>
     <p:extLst>
       <p:ext uri="{BB962C8B-B14F-4D97-AF65-F5344CB8AC3E}">
         <p14:creationId xmlns:p14="http://schemas.microsoft.com/office/powerpoint/2010/main" val="508113124"/>
+      </p:ext>
+    </p:extLst>
+  </p:cSld>
+  <p:clrMapOvr>
+    <a:masterClrMapping/>
+  </p:clrMapOvr>
+</p:sld>
+</file>
+
+<file path=ppt/slides/slide2.xml><?xml version="1.0" encoding="utf-8"?>
+<p:sld xmlns:a="http://schemas.openxmlformats.org/drawingml/2006/main" xmlns:r="http://schemas.openxmlformats.org/officeDocument/2006/relationships" xmlns:p="http://schemas.openxmlformats.org/presentationml/2006/main">
+  <p:cSld>
+    <p:spTree>
+      <p:nvGrpSpPr>
+        <p:cNvPr id="1" name=""/>
+        <p:cNvGrpSpPr/>
+        <p:nvPr/>
+      </p:nvGrpSpPr>
+      <p:grpSpPr>
+        <a:xfrm>
+          <a:off x="0" y="0"/>
+          <a:ext cx="0" cy="0"/>
+          <a:chOff x="0" y="0"/>
+          <a:chExt cx="0" cy="0"/>
+        </a:xfrm>
+      </p:grpSpPr>
+      <p:pic>
+        <p:nvPicPr>
+          <p:cNvPr id="4" name="图片 3"/>
+          <p:cNvPicPr>
+            <a:picLocks noChangeAspect="1"/>
+          </p:cNvPicPr>
+          <p:nvPr/>
+        </p:nvPicPr>
+        <p:blipFill>
+          <a:blip r:embed="rId2">
+            <a:extLst>
+              <a:ext uri="{28A0092B-C50C-407E-A947-70E740481C1C}">
+                <a14:useLocalDpi xmlns:a14="http://schemas.microsoft.com/office/drawing/2010/main" val="0"/>
+              </a:ext>
+            </a:extLst>
+          </a:blip>
+          <a:stretch>
+            <a:fillRect/>
+          </a:stretch>
+        </p:blipFill>
+        <p:spPr>
+          <a:xfrm>
+            <a:off x="2256069" y="980958"/>
+            <a:ext cx="7353937" cy="3139712"/>
+          </a:xfrm>
+          <a:prstGeom prst="rect">
+            <a:avLst/>
+          </a:prstGeom>
+        </p:spPr>
+      </p:pic>
+    </p:spTree>
+    <p:extLst>
+      <p:ext uri="{BB962C8B-B14F-4D97-AF65-F5344CB8AC3E}">
+        <p14:creationId xmlns:p14="http://schemas.microsoft.com/office/powerpoint/2010/main" val="2685556975"/>
+      </p:ext>
+    </p:extLst>
+  </p:cSld>
+  <p:clrMapOvr>
+    <a:masterClrMapping/>
+  </p:clrMapOvr>
+</p:sld>
+</file>
+
+<file path=ppt/slides/slide3.xml><?xml version="1.0" encoding="utf-8"?>
+<p:sld xmlns:a="http://schemas.openxmlformats.org/drawingml/2006/main" xmlns:r="http://schemas.openxmlformats.org/officeDocument/2006/relationships" xmlns:p="http://schemas.openxmlformats.org/presentationml/2006/main">
+  <p:cSld>
+    <p:spTree>
+      <p:nvGrpSpPr>
+        <p:cNvPr id="1" name=""/>
+        <p:cNvGrpSpPr/>
+        <p:nvPr/>
+      </p:nvGrpSpPr>
+      <p:grpSpPr>
+        <a:xfrm>
+          <a:off x="0" y="0"/>
+          <a:ext cx="0" cy="0"/>
+          <a:chOff x="0" y="0"/>
+          <a:chExt cx="0" cy="0"/>
+        </a:xfrm>
+      </p:grpSpPr>
+      <p:pic>
+        <p:nvPicPr>
+          <p:cNvPr id="4" name="图片 3"/>
+          <p:cNvPicPr>
+            <a:picLocks noChangeAspect="1"/>
+          </p:cNvPicPr>
+          <p:nvPr/>
+        </p:nvPicPr>
+        <p:blipFill>
+          <a:blip r:embed="rId2">
+            <a:extLst>
+              <a:ext uri="{28A0092B-C50C-407E-A947-70E740481C1C}">
+                <a14:useLocalDpi xmlns:a14="http://schemas.microsoft.com/office/drawing/2010/main" val="0"/>
+              </a:ext>
+            </a:extLst>
+          </a:blip>
+          <a:stretch>
+            <a:fillRect/>
+          </a:stretch>
+        </p:blipFill>
+        <p:spPr>
+          <a:xfrm>
+            <a:off x="1450239" y="665725"/>
+            <a:ext cx="9662997" cy="1668925"/>
+          </a:xfrm>
+          <a:prstGeom prst="rect">
+            <a:avLst/>
+          </a:prstGeom>
+        </p:spPr>
+      </p:pic>
+      <p:sp>
+        <p:nvSpPr>
+          <p:cNvPr id="5" name="矩形 4"/>
+          <p:cNvSpPr/>
+          <p:nvPr/>
+        </p:nvSpPr>
+        <p:spPr>
+          <a:xfrm>
+            <a:off x="3648075" y="2691497"/>
+            <a:ext cx="6096000" cy="646331"/>
+          </a:xfrm>
+          <a:prstGeom prst="rect">
+            <a:avLst/>
+          </a:prstGeom>
+        </p:spPr>
+        <p:txBody>
+          <a:bodyPr>
+            <a:spAutoFit/>
+          </a:bodyPr>
+          <a:lstStyle/>
+          <a:p>
+            <a:r>
+              <a:rPr lang="en-US" altLang="zh-CN" b="1" dirty="0">
+                <a:solidFill>
+                  <a:srgbClr val="0000FF"/>
+                </a:solidFill>
+                <a:latin typeface="Arial-BoldMT"/>
+              </a:rPr>
+              <a:t>Firmware Memory Cycle Preamble</a:t>
+            </a:r>
+            <a:r>
+              <a:rPr lang="en-US" altLang="zh-CN" dirty="0"/>
+              <a:t> </a:t>
+            </a:r>
+            <a:br>
+              <a:rPr lang="en-US" altLang="zh-CN" dirty="0"/>
+            </a:br>
+            <a:endParaRPr lang="zh-CN" altLang="en-US" dirty="0"/>
+          </a:p>
+        </p:txBody>
+      </p:sp>
+    </p:spTree>
+    <p:extLst>
+      <p:ext uri="{BB962C8B-B14F-4D97-AF65-F5344CB8AC3E}">
+        <p14:creationId xmlns:p14="http://schemas.microsoft.com/office/powerpoint/2010/main" val="2928843278"/>
+      </p:ext>
+    </p:extLst>
+  </p:cSld>
+  <p:clrMapOvr>
+    <a:masterClrMapping/>
+  </p:clrMapOvr>
+</p:sld>
+</file>
+
+<file path=ppt/slides/slide4.xml><?xml version="1.0" encoding="utf-8"?>
+<p:sld xmlns:a="http://schemas.openxmlformats.org/drawingml/2006/main" xmlns:r="http://schemas.openxmlformats.org/officeDocument/2006/relationships" xmlns:p="http://schemas.openxmlformats.org/presentationml/2006/main">
+  <p:cSld>
+    <p:spTree>
+      <p:nvGrpSpPr>
+        <p:cNvPr id="1" name=""/>
+        <p:cNvGrpSpPr/>
+        <p:nvPr/>
+      </p:nvGrpSpPr>
+      <p:grpSpPr>
+        <a:xfrm>
+          <a:off x="0" y="0"/>
+          <a:ext cx="0" cy="0"/>
+          <a:chOff x="0" y="0"/>
+          <a:chExt cx="0" cy="0"/>
+        </a:xfrm>
+      </p:grpSpPr>
+      <p:pic>
+        <p:nvPicPr>
+          <p:cNvPr id="4" name="图片 3"/>
+          <p:cNvPicPr>
+            <a:picLocks noChangeAspect="1"/>
+          </p:cNvPicPr>
+          <p:nvPr/>
+        </p:nvPicPr>
+        <p:blipFill>
+          <a:blip r:embed="rId2">
+            <a:extLst>
+              <a:ext uri="{28A0092B-C50C-407E-A947-70E740481C1C}">
+                <a14:useLocalDpi xmlns:a14="http://schemas.microsoft.com/office/drawing/2010/main" val="0"/>
+              </a:ext>
+            </a:extLst>
+          </a:blip>
+          <a:stretch>
+            <a:fillRect/>
+          </a:stretch>
+        </p:blipFill>
+        <p:spPr>
+          <a:xfrm>
+            <a:off x="1401663" y="767645"/>
+            <a:ext cx="9617273" cy="1607959"/>
+          </a:xfrm>
+          <a:prstGeom prst="rect">
+            <a:avLst/>
+          </a:prstGeom>
+        </p:spPr>
+      </p:pic>
+      <p:sp>
+        <p:nvSpPr>
+          <p:cNvPr id="5" name="矩形 4"/>
+          <p:cNvSpPr/>
+          <p:nvPr/>
+        </p:nvSpPr>
+        <p:spPr>
+          <a:xfrm>
+            <a:off x="3048000" y="3105835"/>
+            <a:ext cx="6096000" cy="646331"/>
+          </a:xfrm>
+          <a:prstGeom prst="rect">
+            <a:avLst/>
+          </a:prstGeom>
+        </p:spPr>
+        <p:txBody>
+          <a:bodyPr>
+            <a:spAutoFit/>
+          </a:bodyPr>
+          <a:lstStyle/>
+          <a:p>
+            <a:r>
+              <a:rPr lang="en-US" altLang="zh-CN" b="1" dirty="0">
+                <a:solidFill>
+                  <a:srgbClr val="0000FF"/>
+                </a:solidFill>
+                <a:latin typeface="Arial-BoldMT"/>
+              </a:rPr>
+              <a:t>Firmware Memory Cycle Single Byte Read</a:t>
+            </a:r>
+            <a:r>
+              <a:rPr lang="en-US" altLang="zh-CN" dirty="0"/>
+              <a:t> </a:t>
+            </a:r>
+            <a:br>
+              <a:rPr lang="en-US" altLang="zh-CN" dirty="0"/>
+            </a:br>
+            <a:endParaRPr lang="zh-CN" altLang="en-US" dirty="0"/>
+          </a:p>
+        </p:txBody>
+      </p:sp>
+    </p:spTree>
+    <p:extLst>
+      <p:ext uri="{BB962C8B-B14F-4D97-AF65-F5344CB8AC3E}">
+        <p14:creationId xmlns:p14="http://schemas.microsoft.com/office/powerpoint/2010/main" val="3696387016"/>
+      </p:ext>
+    </p:extLst>
+  </p:cSld>
+  <p:clrMapOvr>
+    <a:masterClrMapping/>
+  </p:clrMapOvr>
+</p:sld>
+</file>
+
+<file path=ppt/slides/slide5.xml><?xml version="1.0" encoding="utf-8"?>
+<p:sld xmlns:a="http://schemas.openxmlformats.org/drawingml/2006/main" xmlns:r="http://schemas.openxmlformats.org/officeDocument/2006/relationships" xmlns:p="http://schemas.openxmlformats.org/presentationml/2006/main">
+  <p:cSld>
+    <p:spTree>
+      <p:nvGrpSpPr>
+        <p:cNvPr id="1" name=""/>
+        <p:cNvGrpSpPr/>
+        <p:nvPr/>
+      </p:nvGrpSpPr>
+      <p:grpSpPr>
+        <a:xfrm>
+          <a:off x="0" y="0"/>
+          <a:ext cx="0" cy="0"/>
+          <a:chOff x="0" y="0"/>
+          <a:chExt cx="0" cy="0"/>
+        </a:xfrm>
+      </p:grpSpPr>
+      <p:pic>
+        <p:nvPicPr>
+          <p:cNvPr id="4" name="图片 3"/>
+          <p:cNvPicPr>
+            <a:picLocks noChangeAspect="1"/>
+          </p:cNvPicPr>
+          <p:nvPr/>
+        </p:nvPicPr>
+        <p:blipFill>
+          <a:blip r:embed="rId2">
+            <a:extLst>
+              <a:ext uri="{28A0092B-C50C-407E-A947-70E740481C1C}">
+                <a14:useLocalDpi xmlns:a14="http://schemas.microsoft.com/office/drawing/2010/main" val="0"/>
+              </a:ext>
+            </a:extLst>
+          </a:blip>
+          <a:stretch>
+            <a:fillRect/>
+          </a:stretch>
+        </p:blipFill>
+        <p:spPr>
+          <a:xfrm>
+            <a:off x="1095912" y="1421060"/>
+            <a:ext cx="9571549" cy="1615580"/>
+          </a:xfrm>
+          <a:prstGeom prst="rect">
+            <a:avLst/>
+          </a:prstGeom>
+        </p:spPr>
+      </p:pic>
+      <p:sp>
+        <p:nvSpPr>
+          <p:cNvPr id="5" name="矩形 4"/>
+          <p:cNvSpPr/>
+          <p:nvPr/>
+        </p:nvSpPr>
+        <p:spPr>
+          <a:xfrm>
+            <a:off x="3048000" y="3105835"/>
+            <a:ext cx="6096000" cy="646331"/>
+          </a:xfrm>
+          <a:prstGeom prst="rect">
+            <a:avLst/>
+          </a:prstGeom>
+        </p:spPr>
+        <p:txBody>
+          <a:bodyPr>
+            <a:spAutoFit/>
+          </a:bodyPr>
+          <a:lstStyle/>
+          <a:p>
+            <a:r>
+              <a:rPr lang="en-US" altLang="zh-CN" b="1" dirty="0">
+                <a:solidFill>
+                  <a:srgbClr val="0000FF"/>
+                </a:solidFill>
+                <a:latin typeface="Arial-BoldMT"/>
+              </a:rPr>
+              <a:t>Firmware Memory Cycle Single Byte Write</a:t>
+            </a:r>
+            <a:r>
+              <a:rPr lang="en-US" altLang="zh-CN" dirty="0"/>
+              <a:t> </a:t>
+            </a:r>
+            <a:br>
+              <a:rPr lang="en-US" altLang="zh-CN" dirty="0"/>
+            </a:br>
+            <a:endParaRPr lang="zh-CN" altLang="en-US" dirty="0"/>
+          </a:p>
+        </p:txBody>
+      </p:sp>
+    </p:spTree>
+    <p:extLst>
+      <p:ext uri="{BB962C8B-B14F-4D97-AF65-F5344CB8AC3E}">
+        <p14:creationId xmlns:p14="http://schemas.microsoft.com/office/powerpoint/2010/main" val="3251492283"/>
+      </p:ext>
+    </p:extLst>
+  </p:cSld>
+  <p:clrMapOvr>
+    <a:masterClrMapping/>
+  </p:clrMapOvr>
+</p:sld>
+</file>
+
+<file path=ppt/slides/slide6.xml><?xml version="1.0" encoding="utf-8"?>
+<p:sld xmlns:a="http://schemas.openxmlformats.org/drawingml/2006/main" xmlns:r="http://schemas.openxmlformats.org/officeDocument/2006/relationships" xmlns:p="http://schemas.openxmlformats.org/presentationml/2006/main">
+  <p:cSld>
+    <p:spTree>
+      <p:nvGrpSpPr>
+        <p:cNvPr id="1" name=""/>
+        <p:cNvGrpSpPr/>
+        <p:nvPr/>
+      </p:nvGrpSpPr>
+      <p:grpSpPr>
+        <a:xfrm>
+          <a:off x="0" y="0"/>
+          <a:ext cx="0" cy="0"/>
+          <a:chOff x="0" y="0"/>
+          <a:chExt cx="0" cy="0"/>
+        </a:xfrm>
+      </p:grpSpPr>
+      <p:pic>
+        <p:nvPicPr>
+          <p:cNvPr id="4" name="图片 3"/>
+          <p:cNvPicPr>
+            <a:picLocks noChangeAspect="1"/>
+          </p:cNvPicPr>
+          <p:nvPr/>
+        </p:nvPicPr>
+        <p:blipFill>
+          <a:blip r:embed="rId2">
+            <a:extLst>
+              <a:ext uri="{28A0092B-C50C-407E-A947-70E740481C1C}">
+                <a14:useLocalDpi xmlns:a14="http://schemas.microsoft.com/office/drawing/2010/main" val="0"/>
+              </a:ext>
+            </a:extLst>
+          </a:blip>
+          <a:stretch>
+            <a:fillRect/>
+          </a:stretch>
+        </p:blipFill>
+        <p:spPr>
+          <a:xfrm>
+            <a:off x="2401897" y="1341068"/>
+            <a:ext cx="7102455" cy="1204064"/>
+          </a:xfrm>
+          <a:prstGeom prst="rect">
+            <a:avLst/>
+          </a:prstGeom>
+        </p:spPr>
+      </p:pic>
+      <p:sp>
+        <p:nvSpPr>
+          <p:cNvPr id="5" name="矩形 4"/>
+          <p:cNvSpPr/>
+          <p:nvPr/>
+        </p:nvSpPr>
+        <p:spPr>
+          <a:xfrm>
+            <a:off x="3048000" y="3105835"/>
+            <a:ext cx="6096000" cy="646331"/>
+          </a:xfrm>
+          <a:prstGeom prst="rect">
+            <a:avLst/>
+          </a:prstGeom>
+        </p:spPr>
+        <p:txBody>
+          <a:bodyPr>
+            <a:spAutoFit/>
+          </a:bodyPr>
+          <a:lstStyle/>
+          <a:p>
+            <a:r>
+              <a:rPr lang="en-US" altLang="zh-CN" b="1" dirty="0">
+                <a:solidFill>
+                  <a:srgbClr val="0000FF"/>
+                </a:solidFill>
+                <a:latin typeface="Arial-BoldMT"/>
+              </a:rPr>
+              <a:t>DMA Request Assertion through LDRQ#</a:t>
+            </a:r>
+            <a:r>
+              <a:rPr lang="en-US" altLang="zh-CN" dirty="0"/>
+              <a:t> </a:t>
+            </a:r>
+            <a:br>
+              <a:rPr lang="en-US" altLang="zh-CN" dirty="0"/>
+            </a:br>
+            <a:endParaRPr lang="zh-CN" altLang="en-US" dirty="0"/>
+          </a:p>
+        </p:txBody>
+      </p:sp>
+    </p:spTree>
+    <p:extLst>
+      <p:ext uri="{BB962C8B-B14F-4D97-AF65-F5344CB8AC3E}">
+        <p14:creationId xmlns:p14="http://schemas.microsoft.com/office/powerpoint/2010/main" val="4122045611"/>
       </p:ext>
     </p:extLst>
   </p:cSld>

--- a/协议/pic.pptx
+++ b/协议/pic.pptx
@@ -11,6 +11,7 @@
     <p:sldId id="259" r:id="rId5"/>
     <p:sldId id="260" r:id="rId6"/>
     <p:sldId id="261" r:id="rId7"/>
+    <p:sldId id="262" r:id="rId8"/>
   </p:sldIdLst>
   <p:sldSz cx="12192000" cy="6858000"/>
   <p:notesSz cx="6858000" cy="9144000"/>
@@ -248,7 +249,7 @@
           <a:p>
             <a:fld id="{9D29D2F1-BC2A-4D6B-886F-DB66BFFFA6AD}" type="datetimeFigureOut">
               <a:rPr lang="zh-CN" altLang="en-US" smtClean="0"/>
-              <a:t>2020/8/4</a:t>
+              <a:t>2020/8/5</a:t>
             </a:fld>
             <a:endParaRPr lang="zh-CN" altLang="en-US"/>
           </a:p>
@@ -418,7 +419,7 @@
           <a:p>
             <a:fld id="{9D29D2F1-BC2A-4D6B-886F-DB66BFFFA6AD}" type="datetimeFigureOut">
               <a:rPr lang="zh-CN" altLang="en-US" smtClean="0"/>
-              <a:t>2020/8/4</a:t>
+              <a:t>2020/8/5</a:t>
             </a:fld>
             <a:endParaRPr lang="zh-CN" altLang="en-US"/>
           </a:p>
@@ -598,7 +599,7 @@
           <a:p>
             <a:fld id="{9D29D2F1-BC2A-4D6B-886F-DB66BFFFA6AD}" type="datetimeFigureOut">
               <a:rPr lang="zh-CN" altLang="en-US" smtClean="0"/>
-              <a:t>2020/8/4</a:t>
+              <a:t>2020/8/5</a:t>
             </a:fld>
             <a:endParaRPr lang="zh-CN" altLang="en-US"/>
           </a:p>
@@ -768,7 +769,7 @@
           <a:p>
             <a:fld id="{9D29D2F1-BC2A-4D6B-886F-DB66BFFFA6AD}" type="datetimeFigureOut">
               <a:rPr lang="zh-CN" altLang="en-US" smtClean="0"/>
-              <a:t>2020/8/4</a:t>
+              <a:t>2020/8/5</a:t>
             </a:fld>
             <a:endParaRPr lang="zh-CN" altLang="en-US"/>
           </a:p>
@@ -1014,7 +1015,7 @@
           <a:p>
             <a:fld id="{9D29D2F1-BC2A-4D6B-886F-DB66BFFFA6AD}" type="datetimeFigureOut">
               <a:rPr lang="zh-CN" altLang="en-US" smtClean="0"/>
-              <a:t>2020/8/4</a:t>
+              <a:t>2020/8/5</a:t>
             </a:fld>
             <a:endParaRPr lang="zh-CN" altLang="en-US"/>
           </a:p>
@@ -1246,7 +1247,7 @@
           <a:p>
             <a:fld id="{9D29D2F1-BC2A-4D6B-886F-DB66BFFFA6AD}" type="datetimeFigureOut">
               <a:rPr lang="zh-CN" altLang="en-US" smtClean="0"/>
-              <a:t>2020/8/4</a:t>
+              <a:t>2020/8/5</a:t>
             </a:fld>
             <a:endParaRPr lang="zh-CN" altLang="en-US"/>
           </a:p>
@@ -1613,7 +1614,7 @@
           <a:p>
             <a:fld id="{9D29D2F1-BC2A-4D6B-886F-DB66BFFFA6AD}" type="datetimeFigureOut">
               <a:rPr lang="zh-CN" altLang="en-US" smtClean="0"/>
-              <a:t>2020/8/4</a:t>
+              <a:t>2020/8/5</a:t>
             </a:fld>
             <a:endParaRPr lang="zh-CN" altLang="en-US"/>
           </a:p>
@@ -1731,7 +1732,7 @@
           <a:p>
             <a:fld id="{9D29D2F1-BC2A-4D6B-886F-DB66BFFFA6AD}" type="datetimeFigureOut">
               <a:rPr lang="zh-CN" altLang="en-US" smtClean="0"/>
-              <a:t>2020/8/4</a:t>
+              <a:t>2020/8/5</a:t>
             </a:fld>
             <a:endParaRPr lang="zh-CN" altLang="en-US"/>
           </a:p>
@@ -1826,7 +1827,7 @@
           <a:p>
             <a:fld id="{9D29D2F1-BC2A-4D6B-886F-DB66BFFFA6AD}" type="datetimeFigureOut">
               <a:rPr lang="zh-CN" altLang="en-US" smtClean="0"/>
-              <a:t>2020/8/4</a:t>
+              <a:t>2020/8/5</a:t>
             </a:fld>
             <a:endParaRPr lang="zh-CN" altLang="en-US"/>
           </a:p>
@@ -2103,7 +2104,7 @@
           <a:p>
             <a:fld id="{9D29D2F1-BC2A-4D6B-886F-DB66BFFFA6AD}" type="datetimeFigureOut">
               <a:rPr lang="zh-CN" altLang="en-US" smtClean="0"/>
-              <a:t>2020/8/4</a:t>
+              <a:t>2020/8/5</a:t>
             </a:fld>
             <a:endParaRPr lang="zh-CN" altLang="en-US"/>
           </a:p>
@@ -2356,7 +2357,7 @@
           <a:p>
             <a:fld id="{9D29D2F1-BC2A-4D6B-886F-DB66BFFFA6AD}" type="datetimeFigureOut">
               <a:rPr lang="zh-CN" altLang="en-US" smtClean="0"/>
-              <a:t>2020/8/4</a:t>
+              <a:t>2020/8/5</a:t>
             </a:fld>
             <a:endParaRPr lang="zh-CN" altLang="en-US"/>
           </a:p>
@@ -2569,7 +2570,7 @@
           <a:p>
             <a:fld id="{9D29D2F1-BC2A-4D6B-886F-DB66BFFFA6AD}" type="datetimeFigureOut">
               <a:rPr lang="zh-CN" altLang="en-US" smtClean="0"/>
-              <a:t>2020/8/4</a:t>
+              <a:t>2020/8/5</a:t>
             </a:fld>
             <a:endParaRPr lang="zh-CN" altLang="en-US"/>
           </a:p>
@@ -3511,6 +3512,107 @@
 </p:sld>
 </file>
 
+<file path=ppt/slides/slide7.xml><?xml version="1.0" encoding="utf-8"?>
+<p:sld xmlns:a="http://schemas.openxmlformats.org/drawingml/2006/main" xmlns:r="http://schemas.openxmlformats.org/officeDocument/2006/relationships" xmlns:p="http://schemas.openxmlformats.org/presentationml/2006/main">
+  <p:cSld>
+    <p:spTree>
+      <p:nvGrpSpPr>
+        <p:cNvPr id="1" name=""/>
+        <p:cNvGrpSpPr/>
+        <p:nvPr/>
+      </p:nvGrpSpPr>
+      <p:grpSpPr>
+        <a:xfrm>
+          <a:off x="0" y="0"/>
+          <a:ext cx="0" cy="0"/>
+          <a:chOff x="0" y="0"/>
+          <a:chExt cx="0" cy="0"/>
+        </a:xfrm>
+      </p:grpSpPr>
+      <p:pic>
+        <p:nvPicPr>
+          <p:cNvPr id="4" name="图片 3"/>
+          <p:cNvPicPr>
+            <a:picLocks noChangeAspect="1"/>
+          </p:cNvPicPr>
+          <p:nvPr/>
+        </p:nvPicPr>
+        <p:blipFill>
+          <a:blip r:embed="rId2">
+            <a:extLst>
+              <a:ext uri="{28A0092B-C50C-407E-A947-70E740481C1C}">
+                <a14:useLocalDpi xmlns:a14="http://schemas.microsoft.com/office/drawing/2010/main" val="0"/>
+              </a:ext>
+            </a:extLst>
+          </a:blip>
+          <a:stretch>
+            <a:fillRect/>
+          </a:stretch>
+        </p:blipFill>
+        <p:spPr>
+          <a:xfrm>
+            <a:off x="1945596" y="360854"/>
+            <a:ext cx="8329382" cy="3307367"/>
+          </a:xfrm>
+          <a:prstGeom prst="rect">
+            <a:avLst/>
+          </a:prstGeom>
+        </p:spPr>
+      </p:pic>
+      <p:sp>
+        <p:nvSpPr>
+          <p:cNvPr id="5" name="矩形 4"/>
+          <p:cNvSpPr/>
+          <p:nvPr/>
+        </p:nvSpPr>
+        <p:spPr>
+          <a:xfrm>
+            <a:off x="3062287" y="4553247"/>
+            <a:ext cx="6096000" cy="923330"/>
+          </a:xfrm>
+          <a:prstGeom prst="rect">
+            <a:avLst/>
+          </a:prstGeom>
+        </p:spPr>
+        <p:txBody>
+          <a:bodyPr>
+            <a:spAutoFit/>
+          </a:bodyPr>
+          <a:lstStyle/>
+          <a:p>
+            <a:r>
+              <a:rPr lang="en-US" altLang="zh-CN" b="1" dirty="0">
+                <a:solidFill>
+                  <a:srgbClr val="0000FF"/>
+                </a:solidFill>
+                <a:latin typeface="Arial-BoldMT"/>
+              </a:rPr>
+              <a:t>Timing for Entering and Exiting the Power Down State</a:t>
+            </a:r>
+            <a:r>
+              <a:rPr lang="en-US" altLang="zh-CN" dirty="0"/>
+              <a:t> </a:t>
+            </a:r>
+            <a:br>
+              <a:rPr lang="en-US" altLang="zh-CN" dirty="0"/>
+            </a:br>
+            <a:endParaRPr lang="zh-CN" altLang="en-US" dirty="0"/>
+          </a:p>
+        </p:txBody>
+      </p:sp>
+    </p:spTree>
+    <p:extLst>
+      <p:ext uri="{BB962C8B-B14F-4D97-AF65-F5344CB8AC3E}">
+        <p14:creationId xmlns:p14="http://schemas.microsoft.com/office/powerpoint/2010/main" val="3878906922"/>
+      </p:ext>
+    </p:extLst>
+  </p:cSld>
+  <p:clrMapOvr>
+    <a:masterClrMapping/>
+  </p:clrMapOvr>
+</p:sld>
+</file>
+
 <file path=ppt/theme/theme1.xml><?xml version="1.0" encoding="utf-8"?>
 <a:theme xmlns:a="http://schemas.openxmlformats.org/drawingml/2006/main" name="Office 主题">
   <a:themeElements>
